--- a/reparacion de compu/FUENTES DE PODER.pptx
+++ b/reparacion de compu/FUENTES DE PODER.pptx
@@ -7,12 +7,13 @@
   <p:sldIdLst>
     <p:sldId id="256" r:id="rId2"/>
     <p:sldId id="257" r:id="rId3"/>
-    <p:sldId id="258" r:id="rId4"/>
-    <p:sldId id="259" r:id="rId5"/>
-    <p:sldId id="260" r:id="rId6"/>
-    <p:sldId id="261" r:id="rId7"/>
-    <p:sldId id="262" r:id="rId8"/>
-    <p:sldId id="263" r:id="rId9"/>
+    <p:sldId id="264" r:id="rId4"/>
+    <p:sldId id="258" r:id="rId5"/>
+    <p:sldId id="259" r:id="rId6"/>
+    <p:sldId id="260" r:id="rId7"/>
+    <p:sldId id="261" r:id="rId8"/>
+    <p:sldId id="262" r:id="rId9"/>
+    <p:sldId id="263" r:id="rId10"/>
   </p:sldIdLst>
   <p:sldSz cx="12192000" cy="6858000"/>
   <p:notesSz cx="6858000" cy="9144000"/>
@@ -1528,7 +1529,7 @@
           <a:p>
             <a:fld id="{489E22E3-9AE4-4F82-A6A3-E33F2515E6DD}" type="datetimeFigureOut">
               <a:rPr lang="en-US" smtClean="0"/>
-              <a:t>3/23/2023</a:t>
+              <a:t>8/17/2023</a:t>
             </a:fld>
             <a:endParaRPr lang="en-US"/>
           </a:p>
@@ -2987,7 +2988,7 @@
           <a:p>
             <a:fld id="{489E22E3-9AE4-4F82-A6A3-E33F2515E6DD}" type="datetimeFigureOut">
               <a:rPr lang="en-US" smtClean="0"/>
-              <a:t>3/23/2023</a:t>
+              <a:t>8/17/2023</a:t>
             </a:fld>
             <a:endParaRPr lang="en-US"/>
           </a:p>
@@ -4440,7 +4441,7 @@
           <a:p>
             <a:fld id="{489E22E3-9AE4-4F82-A6A3-E33F2515E6DD}" type="datetimeFigureOut">
               <a:rPr lang="en-US" smtClean="0"/>
-              <a:t>3/23/2023</a:t>
+              <a:t>8/17/2023</a:t>
             </a:fld>
             <a:endParaRPr lang="en-US"/>
           </a:p>
@@ -5895,7 +5896,7 @@
           <a:p>
             <a:fld id="{489E22E3-9AE4-4F82-A6A3-E33F2515E6DD}" type="datetimeFigureOut">
               <a:rPr lang="en-US" smtClean="0"/>
-              <a:t>3/23/2023</a:t>
+              <a:t>8/17/2023</a:t>
             </a:fld>
             <a:endParaRPr lang="en-US"/>
           </a:p>
@@ -7403,7 +7404,7 @@
           <a:p>
             <a:fld id="{489E22E3-9AE4-4F82-A6A3-E33F2515E6DD}" type="datetimeFigureOut">
               <a:rPr lang="en-US" smtClean="0"/>
-              <a:t>3/23/2023</a:t>
+              <a:t>8/17/2023</a:t>
             </a:fld>
             <a:endParaRPr lang="en-US"/>
           </a:p>
@@ -8924,7 +8925,7 @@
           <a:p>
             <a:fld id="{489E22E3-9AE4-4F82-A6A3-E33F2515E6DD}" type="datetimeFigureOut">
               <a:rPr lang="en-US" smtClean="0"/>
-              <a:t>3/23/2023</a:t>
+              <a:t>8/17/2023</a:t>
             </a:fld>
             <a:endParaRPr lang="en-US"/>
           </a:p>
@@ -10589,7 +10590,7 @@
           <a:p>
             <a:fld id="{489E22E3-9AE4-4F82-A6A3-E33F2515E6DD}" type="datetimeFigureOut">
               <a:rPr lang="en-US" smtClean="0"/>
-              <a:t>3/23/2023</a:t>
+              <a:t>8/17/2023</a:t>
             </a:fld>
             <a:endParaRPr lang="en-US"/>
           </a:p>
@@ -11987,7 +11988,7 @@
           <a:p>
             <a:fld id="{489E22E3-9AE4-4F82-A6A3-E33F2515E6DD}" type="datetimeFigureOut">
               <a:rPr lang="en-US" smtClean="0"/>
-              <a:t>3/23/2023</a:t>
+              <a:t>8/17/2023</a:t>
             </a:fld>
             <a:endParaRPr lang="en-US"/>
           </a:p>
@@ -12087,7 +12088,7 @@
           <a:p>
             <a:fld id="{489E22E3-9AE4-4F82-A6A3-E33F2515E6DD}" type="datetimeFigureOut">
               <a:rPr lang="en-US" smtClean="0"/>
-              <a:t>3/23/2023</a:t>
+              <a:t>8/17/2023</a:t>
             </a:fld>
             <a:endParaRPr lang="en-US"/>
           </a:p>
@@ -13613,7 +13614,7 @@
           <a:p>
             <a:fld id="{489E22E3-9AE4-4F82-A6A3-E33F2515E6DD}" type="datetimeFigureOut">
               <a:rPr lang="en-US" smtClean="0"/>
-              <a:t>3/23/2023</a:t>
+              <a:t>8/17/2023</a:t>
             </a:fld>
             <a:endParaRPr lang="en-US"/>
           </a:p>
@@ -15149,7 +15150,7 @@
           <a:p>
             <a:fld id="{489E22E3-9AE4-4F82-A6A3-E33F2515E6DD}" type="datetimeFigureOut">
               <a:rPr lang="en-US" smtClean="0"/>
-              <a:t>3/23/2023</a:t>
+              <a:t>8/17/2023</a:t>
             </a:fld>
             <a:endParaRPr lang="en-US"/>
           </a:p>
@@ -15372,7 +15373,7 @@
           <a:p>
             <a:fld id="{489E22E3-9AE4-4F82-A6A3-E33F2515E6DD}" type="datetimeFigureOut">
               <a:rPr lang="en-US" smtClean="0"/>
-              <a:t>3/23/2023</a:t>
+              <a:t>8/17/2023</a:t>
             </a:fld>
             <a:endParaRPr lang="en-US"/>
           </a:p>
@@ -15981,6 +15982,86 @@
           <p:cNvPr id="2" name="Título 1">
             <a:extLst>
               <a:ext uri="{FF2B5EF4-FFF2-40B4-BE49-F238E27FC236}">
+                <a16:creationId xmlns:a16="http://schemas.microsoft.com/office/drawing/2014/main" id="{008DB2B8-FFFB-45C0-8413-52AFA94F5354}"/>
+              </a:ext>
+            </a:extLst>
+          </p:cNvPr>
+          <p:cNvSpPr>
+            <a:spLocks noGrp="1"/>
+          </p:cNvSpPr>
+          <p:nvPr>
+            <p:ph type="title"/>
+          </p:nvPr>
+        </p:nvSpPr>
+        <p:spPr/>
+        <p:txBody>
+          <a:bodyPr/>
+          <a:lstStyle/>
+          <a:p>
+            <a:endParaRPr lang="es-EC"/>
+          </a:p>
+        </p:txBody>
+      </p:sp>
+      <p:sp>
+        <p:nvSpPr>
+          <p:cNvPr id="3" name="Marcador de contenido 2">
+            <a:extLst>
+              <a:ext uri="{FF2B5EF4-FFF2-40B4-BE49-F238E27FC236}">
+                <a16:creationId xmlns:a16="http://schemas.microsoft.com/office/drawing/2014/main" id="{5BFA9F74-3FBE-459A-BEE6-14DB9AB98CE3}"/>
+              </a:ext>
+            </a:extLst>
+          </p:cNvPr>
+          <p:cNvSpPr>
+            <a:spLocks noGrp="1"/>
+          </p:cNvSpPr>
+          <p:nvPr>
+            <p:ph idx="1"/>
+          </p:nvPr>
+        </p:nvSpPr>
+        <p:spPr/>
+        <p:txBody>
+          <a:bodyPr/>
+          <a:lstStyle/>
+          <a:p>
+            <a:endParaRPr lang="es-EC"/>
+          </a:p>
+        </p:txBody>
+      </p:sp>
+    </p:spTree>
+    <p:extLst>
+      <p:ext uri="{BB962C8B-B14F-4D97-AF65-F5344CB8AC3E}">
+        <p14:creationId xmlns:p14="http://schemas.microsoft.com/office/powerpoint/2010/main" val="167123417"/>
+      </p:ext>
+    </p:extLst>
+  </p:cSld>
+  <p:clrMapOvr>
+    <a:masterClrMapping/>
+  </p:clrMapOvr>
+</p:sld>
+</file>
+
+<file path=ppt/slides/slide4.xml><?xml version="1.0" encoding="utf-8"?>
+<p:sld xmlns:a="http://schemas.openxmlformats.org/drawingml/2006/main" xmlns:r="http://schemas.openxmlformats.org/officeDocument/2006/relationships" xmlns:p="http://schemas.openxmlformats.org/presentationml/2006/main">
+  <p:cSld>
+    <p:spTree>
+      <p:nvGrpSpPr>
+        <p:cNvPr id="1" name=""/>
+        <p:cNvGrpSpPr/>
+        <p:nvPr/>
+      </p:nvGrpSpPr>
+      <p:grpSpPr>
+        <a:xfrm>
+          <a:off x="0" y="0"/>
+          <a:ext cx="0" cy="0"/>
+          <a:chOff x="0" y="0"/>
+          <a:chExt cx="0" cy="0"/>
+        </a:xfrm>
+      </p:grpSpPr>
+      <p:sp>
+        <p:nvSpPr>
+          <p:cNvPr id="2" name="Título 1">
+            <a:extLst>
+              <a:ext uri="{FF2B5EF4-FFF2-40B4-BE49-F238E27FC236}">
                 <a16:creationId xmlns:a16="http://schemas.microsoft.com/office/drawing/2014/main" id="{5CB325DE-08A7-4471-862B-3AC1802A9BFA}"/>
               </a:ext>
             </a:extLst>
@@ -16050,7 +16131,7 @@
 </p:sld>
 </file>
 
-<file path=ppt/slides/slide4.xml><?xml version="1.0" encoding="utf-8"?>
+<file path=ppt/slides/slide5.xml><?xml version="1.0" encoding="utf-8"?>
 <p:sld xmlns:a="http://schemas.openxmlformats.org/drawingml/2006/main" xmlns:r="http://schemas.openxmlformats.org/officeDocument/2006/relationships" xmlns:p="http://schemas.openxmlformats.org/presentationml/2006/main">
   <p:cSld>
     <p:spTree>
@@ -16131,96 +16212,6 @@
     <p:extLst>
       <p:ext uri="{BB962C8B-B14F-4D97-AF65-F5344CB8AC3E}">
         <p14:creationId xmlns:p14="http://schemas.microsoft.com/office/powerpoint/2010/main" val="30315657"/>
-      </p:ext>
-    </p:extLst>
-  </p:cSld>
-  <p:clrMapOvr>
-    <a:masterClrMapping/>
-  </p:clrMapOvr>
-</p:sld>
-</file>
-
-<file path=ppt/slides/slide5.xml><?xml version="1.0" encoding="utf-8"?>
-<p:sld xmlns:a="http://schemas.openxmlformats.org/drawingml/2006/main" xmlns:r="http://schemas.openxmlformats.org/officeDocument/2006/relationships" xmlns:p="http://schemas.openxmlformats.org/presentationml/2006/main">
-  <p:cSld>
-    <p:spTree>
-      <p:nvGrpSpPr>
-        <p:cNvPr id="1" name=""/>
-        <p:cNvGrpSpPr/>
-        <p:nvPr/>
-      </p:nvGrpSpPr>
-      <p:grpSpPr>
-        <a:xfrm>
-          <a:off x="0" y="0"/>
-          <a:ext cx="0" cy="0"/>
-          <a:chOff x="0" y="0"/>
-          <a:chExt cx="0" cy="0"/>
-        </a:xfrm>
-      </p:grpSpPr>
-      <p:sp>
-        <p:nvSpPr>
-          <p:cNvPr id="2" name="Título 1">
-            <a:extLst>
-              <a:ext uri="{FF2B5EF4-FFF2-40B4-BE49-F238E27FC236}">
-                <a16:creationId xmlns:a16="http://schemas.microsoft.com/office/drawing/2014/main" id="{0FE97F85-49B3-44DA-B555-E3E46CEF47BA}"/>
-              </a:ext>
-            </a:extLst>
-          </p:cNvPr>
-          <p:cNvSpPr>
-            <a:spLocks noGrp="1"/>
-          </p:cNvSpPr>
-          <p:nvPr>
-            <p:ph type="title"/>
-          </p:nvPr>
-        </p:nvSpPr>
-        <p:spPr/>
-        <p:txBody>
-          <a:bodyPr/>
-          <a:lstStyle/>
-          <a:p>
-            <a:endParaRPr lang="en-US"/>
-          </a:p>
-        </p:txBody>
-      </p:sp>
-      <p:pic>
-        <p:nvPicPr>
-          <p:cNvPr id="5" name="Marcador de contenido 4">
-            <a:extLst>
-              <a:ext uri="{FF2B5EF4-FFF2-40B4-BE49-F238E27FC236}">
-                <a16:creationId xmlns:a16="http://schemas.microsoft.com/office/drawing/2014/main" id="{57B4F7E1-2D6C-4C3E-958A-ACFC5182B750}"/>
-              </a:ext>
-            </a:extLst>
-          </p:cNvPr>
-          <p:cNvPicPr>
-            <a:picLocks noGrp="1" noChangeAspect="1"/>
-          </p:cNvPicPr>
-          <p:nvPr>
-            <p:ph idx="1"/>
-          </p:nvPr>
-        </p:nvPicPr>
-        <p:blipFill>
-          <a:blip r:embed="rId2">
-            <a:extLst>
-              <a:ext uri="{28A0092B-C50C-407E-A947-70E740481C1C}">
-                <a14:useLocalDpi xmlns:a14="http://schemas.microsoft.com/office/drawing/2010/main" val="0"/>
-              </a:ext>
-            </a:extLst>
-          </a:blip>
-          <a:stretch>
-            <a:fillRect/>
-          </a:stretch>
-        </p:blipFill>
-        <p:spPr>
-          <a:xfrm>
-            <a:off x="0" y="0"/>
-            <a:ext cx="12069201" cy="6858000"/>
-          </a:xfrm>
-        </p:spPr>
-      </p:pic>
-    </p:spTree>
-    <p:extLst>
-      <p:ext uri="{BB962C8B-B14F-4D97-AF65-F5344CB8AC3E}">
-        <p14:creationId xmlns:p14="http://schemas.microsoft.com/office/powerpoint/2010/main" val="2163806812"/>
       </p:ext>
     </p:extLst>
   </p:cSld>
@@ -16252,6 +16243,96 @@
           <p:cNvPr id="2" name="Título 1">
             <a:extLst>
               <a:ext uri="{FF2B5EF4-FFF2-40B4-BE49-F238E27FC236}">
+                <a16:creationId xmlns:a16="http://schemas.microsoft.com/office/drawing/2014/main" id="{0FE97F85-49B3-44DA-B555-E3E46CEF47BA}"/>
+              </a:ext>
+            </a:extLst>
+          </p:cNvPr>
+          <p:cNvSpPr>
+            <a:spLocks noGrp="1"/>
+          </p:cNvSpPr>
+          <p:nvPr>
+            <p:ph type="title"/>
+          </p:nvPr>
+        </p:nvSpPr>
+        <p:spPr/>
+        <p:txBody>
+          <a:bodyPr/>
+          <a:lstStyle/>
+          <a:p>
+            <a:endParaRPr lang="en-US"/>
+          </a:p>
+        </p:txBody>
+      </p:sp>
+      <p:pic>
+        <p:nvPicPr>
+          <p:cNvPr id="5" name="Marcador de contenido 4">
+            <a:extLst>
+              <a:ext uri="{FF2B5EF4-FFF2-40B4-BE49-F238E27FC236}">
+                <a16:creationId xmlns:a16="http://schemas.microsoft.com/office/drawing/2014/main" id="{57B4F7E1-2D6C-4C3E-958A-ACFC5182B750}"/>
+              </a:ext>
+            </a:extLst>
+          </p:cNvPr>
+          <p:cNvPicPr>
+            <a:picLocks noGrp="1" noChangeAspect="1"/>
+          </p:cNvPicPr>
+          <p:nvPr>
+            <p:ph idx="1"/>
+          </p:nvPr>
+        </p:nvPicPr>
+        <p:blipFill>
+          <a:blip r:embed="rId2">
+            <a:extLst>
+              <a:ext uri="{28A0092B-C50C-407E-A947-70E740481C1C}">
+                <a14:useLocalDpi xmlns:a14="http://schemas.microsoft.com/office/drawing/2010/main" val="0"/>
+              </a:ext>
+            </a:extLst>
+          </a:blip>
+          <a:stretch>
+            <a:fillRect/>
+          </a:stretch>
+        </p:blipFill>
+        <p:spPr>
+          <a:xfrm>
+            <a:off x="0" y="0"/>
+            <a:ext cx="12069201" cy="6858000"/>
+          </a:xfrm>
+        </p:spPr>
+      </p:pic>
+    </p:spTree>
+    <p:extLst>
+      <p:ext uri="{BB962C8B-B14F-4D97-AF65-F5344CB8AC3E}">
+        <p14:creationId xmlns:p14="http://schemas.microsoft.com/office/powerpoint/2010/main" val="2163806812"/>
+      </p:ext>
+    </p:extLst>
+  </p:cSld>
+  <p:clrMapOvr>
+    <a:masterClrMapping/>
+  </p:clrMapOvr>
+</p:sld>
+</file>
+
+<file path=ppt/slides/slide7.xml><?xml version="1.0" encoding="utf-8"?>
+<p:sld xmlns:a="http://schemas.openxmlformats.org/drawingml/2006/main" xmlns:r="http://schemas.openxmlformats.org/officeDocument/2006/relationships" xmlns:p="http://schemas.openxmlformats.org/presentationml/2006/main">
+  <p:cSld>
+    <p:spTree>
+      <p:nvGrpSpPr>
+        <p:cNvPr id="1" name=""/>
+        <p:cNvGrpSpPr/>
+        <p:nvPr/>
+      </p:nvGrpSpPr>
+      <p:grpSpPr>
+        <a:xfrm>
+          <a:off x="0" y="0"/>
+          <a:ext cx="0" cy="0"/>
+          <a:chOff x="0" y="0"/>
+          <a:chExt cx="0" cy="0"/>
+        </a:xfrm>
+      </p:grpSpPr>
+      <p:sp>
+        <p:nvSpPr>
+          <p:cNvPr id="2" name="Título 1">
+            <a:extLst>
+              <a:ext uri="{FF2B5EF4-FFF2-40B4-BE49-F238E27FC236}">
                 <a16:creationId xmlns:a16="http://schemas.microsoft.com/office/drawing/2014/main" id="{BD458B53-6441-4431-BE7C-C9AB449664D4}"/>
               </a:ext>
             </a:extLst>
@@ -16320,7 +16401,7 @@
 </p:sld>
 </file>
 
-<file path=ppt/slides/slide7.xml><?xml version="1.0" encoding="utf-8"?>
+<file path=ppt/slides/slide8.xml><?xml version="1.0" encoding="utf-8"?>
 <p:sld xmlns:a="http://schemas.openxmlformats.org/drawingml/2006/main" xmlns:r="http://schemas.openxmlformats.org/officeDocument/2006/relationships" xmlns:p="http://schemas.openxmlformats.org/presentationml/2006/main">
   <p:cSld>
     <p:spTree>
@@ -16463,7 +16544,7 @@
 </p:sld>
 </file>
 
-<file path=ppt/slides/slide8.xml><?xml version="1.0" encoding="utf-8"?>
+<file path=ppt/slides/slide9.xml><?xml version="1.0" encoding="utf-8"?>
 <p:sld xmlns:a="http://schemas.openxmlformats.org/drawingml/2006/main" xmlns:r="http://schemas.openxmlformats.org/officeDocument/2006/relationships" xmlns:p="http://schemas.openxmlformats.org/presentationml/2006/main">
   <p:cSld>
     <p:spTree>
